--- a/dfr_metadata/paper/fig/ntfs.pptx
+++ b/dfr_metadata/paper/fig/ntfs.pptx
@@ -259,7 +259,7 @@
           <a:p>
             <a:fld id="{CFC90A4D-0449-FE4F-8963-89C122A9FB4A}" type="datetimeFigureOut">
               <a:rPr lang="en-US" smtClean="0"/>
-              <a:t>10/25/19</a:t>
+              <a:t>10/26/19</a:t>
             </a:fld>
             <a:endParaRPr lang="en-US"/>
           </a:p>
@@ -457,7 +457,7 @@
           <a:p>
             <a:fld id="{CFC90A4D-0449-FE4F-8963-89C122A9FB4A}" type="datetimeFigureOut">
               <a:rPr lang="en-US" smtClean="0"/>
-              <a:t>10/25/19</a:t>
+              <a:t>10/26/19</a:t>
             </a:fld>
             <a:endParaRPr lang="en-US"/>
           </a:p>
@@ -665,7 +665,7 @@
           <a:p>
             <a:fld id="{CFC90A4D-0449-FE4F-8963-89C122A9FB4A}" type="datetimeFigureOut">
               <a:rPr lang="en-US" smtClean="0"/>
-              <a:t>10/25/19</a:t>
+              <a:t>10/26/19</a:t>
             </a:fld>
             <a:endParaRPr lang="en-US"/>
           </a:p>
@@ -863,7 +863,7 @@
           <a:p>
             <a:fld id="{CFC90A4D-0449-FE4F-8963-89C122A9FB4A}" type="datetimeFigureOut">
               <a:rPr lang="en-US" smtClean="0"/>
-              <a:t>10/25/19</a:t>
+              <a:t>10/26/19</a:t>
             </a:fld>
             <a:endParaRPr lang="en-US"/>
           </a:p>
@@ -1138,7 +1138,7 @@
           <a:p>
             <a:fld id="{CFC90A4D-0449-FE4F-8963-89C122A9FB4A}" type="datetimeFigureOut">
               <a:rPr lang="en-US" smtClean="0"/>
-              <a:t>10/25/19</a:t>
+              <a:t>10/26/19</a:t>
             </a:fld>
             <a:endParaRPr lang="en-US"/>
           </a:p>
@@ -1403,7 +1403,7 @@
           <a:p>
             <a:fld id="{CFC90A4D-0449-FE4F-8963-89C122A9FB4A}" type="datetimeFigureOut">
               <a:rPr lang="en-US" smtClean="0"/>
-              <a:t>10/25/19</a:t>
+              <a:t>10/26/19</a:t>
             </a:fld>
             <a:endParaRPr lang="en-US"/>
           </a:p>
@@ -1815,7 +1815,7 @@
           <a:p>
             <a:fld id="{CFC90A4D-0449-FE4F-8963-89C122A9FB4A}" type="datetimeFigureOut">
               <a:rPr lang="en-US" smtClean="0"/>
-              <a:t>10/25/19</a:t>
+              <a:t>10/26/19</a:t>
             </a:fld>
             <a:endParaRPr lang="en-US"/>
           </a:p>
@@ -1956,7 +1956,7 @@
           <a:p>
             <a:fld id="{CFC90A4D-0449-FE4F-8963-89C122A9FB4A}" type="datetimeFigureOut">
               <a:rPr lang="en-US" smtClean="0"/>
-              <a:t>10/25/19</a:t>
+              <a:t>10/26/19</a:t>
             </a:fld>
             <a:endParaRPr lang="en-US"/>
           </a:p>
@@ -2069,7 +2069,7 @@
           <a:p>
             <a:fld id="{CFC90A4D-0449-FE4F-8963-89C122A9FB4A}" type="datetimeFigureOut">
               <a:rPr lang="en-US" smtClean="0"/>
-              <a:t>10/25/19</a:t>
+              <a:t>10/26/19</a:t>
             </a:fld>
             <a:endParaRPr lang="en-US"/>
           </a:p>
@@ -2380,7 +2380,7 @@
           <a:p>
             <a:fld id="{CFC90A4D-0449-FE4F-8963-89C122A9FB4A}" type="datetimeFigureOut">
               <a:rPr lang="en-US" smtClean="0"/>
-              <a:t>10/25/19</a:t>
+              <a:t>10/26/19</a:t>
             </a:fld>
             <a:endParaRPr lang="en-US"/>
           </a:p>
@@ -2668,7 +2668,7 @@
           <a:p>
             <a:fld id="{CFC90A4D-0449-FE4F-8963-89C122A9FB4A}" type="datetimeFigureOut">
               <a:rPr lang="en-US" smtClean="0"/>
-              <a:t>10/25/19</a:t>
+              <a:t>10/26/19</a:t>
             </a:fld>
             <a:endParaRPr lang="en-US"/>
           </a:p>
@@ -2909,7 +2909,7 @@
           <a:p>
             <a:fld id="{CFC90A4D-0449-FE4F-8963-89C122A9FB4A}" type="datetimeFigureOut">
               <a:rPr lang="en-US" smtClean="0"/>
-              <a:t>10/25/19</a:t>
+              <a:t>10/26/19</a:t>
             </a:fld>
             <a:endParaRPr lang="en-US"/>
           </a:p>
@@ -3326,661 +3326,817 @@
           <a:chExt cx="0" cy="0"/>
         </a:xfrm>
       </p:grpSpPr>
-      <p:grpSp>
-        <p:nvGrpSpPr>
-          <p:cNvPr id="8" name="Group 7">
-            <a:extLst>
-              <a:ext uri="{FF2B5EF4-FFF2-40B4-BE49-F238E27FC236}">
-                <a16:creationId xmlns:a16="http://schemas.microsoft.com/office/drawing/2014/main" id="{32008B30-C2BA-844E-922C-C006962B337B}"/>
-              </a:ext>
-            </a:extLst>
-          </p:cNvPr>
-          <p:cNvGrpSpPr/>
+      <p:sp>
+        <p:nvSpPr>
+          <p:cNvPr id="4" name="Rectangle 3">
+            <a:extLst>
+              <a:ext uri="{FF2B5EF4-FFF2-40B4-BE49-F238E27FC236}">
+                <a16:creationId xmlns:a16="http://schemas.microsoft.com/office/drawing/2014/main" id="{89506DD1-4DD8-6D47-921E-28B41360EBE3}"/>
+              </a:ext>
+            </a:extLst>
+          </p:cNvPr>
+          <p:cNvSpPr/>
           <p:nvPr/>
-        </p:nvGrpSpPr>
-        <p:grpSpPr>
+        </p:nvSpPr>
+        <p:spPr>
           <a:xfrm>
-            <a:off x="213420" y="466533"/>
-            <a:ext cx="11308020" cy="4953365"/>
-            <a:chOff x="213420" y="466533"/>
-            <a:chExt cx="8310094" cy="3581371"/>
+            <a:off x="213420" y="1940096"/>
+            <a:ext cx="4879074" cy="1067846"/>
           </a:xfrm>
-        </p:grpSpPr>
-        <p:sp>
-          <p:nvSpPr>
-            <p:cNvPr id="4" name="Rectangle 3">
-              <a:extLst>
-                <a:ext uri="{FF2B5EF4-FFF2-40B4-BE49-F238E27FC236}">
-                  <a16:creationId xmlns:a16="http://schemas.microsoft.com/office/drawing/2014/main" id="{89506DD1-4DD8-6D47-921E-28B41360EBE3}"/>
-                </a:ext>
-              </a:extLst>
-            </p:cNvPr>
-            <p:cNvSpPr/>
-            <p:nvPr/>
-          </p:nvSpPr>
-          <p:spPr>
-            <a:xfrm>
-              <a:off x="213420" y="1531945"/>
-              <a:ext cx="3585558" cy="772072"/>
-            </a:xfrm>
-            <a:prstGeom prst="rect">
-              <a:avLst/>
-            </a:prstGeom>
-            <a:noFill/>
-          </p:spPr>
-          <p:style>
-            <a:lnRef idx="2">
-              <a:schemeClr val="accent1">
-                <a:shade val="50000"/>
-              </a:schemeClr>
-            </a:lnRef>
-            <a:fillRef idx="1">
-              <a:schemeClr val="accent1"/>
-            </a:fillRef>
-            <a:effectRef idx="0">
-              <a:schemeClr val="accent1"/>
-            </a:effectRef>
-            <a:fontRef idx="minor">
-              <a:schemeClr val="lt1"/>
-            </a:fontRef>
-          </p:style>
-          <p:txBody>
-            <a:bodyPr rtlCol="0" anchor="ctr"/>
-            <a:lstStyle/>
-            <a:p>
-              <a:pPr algn="ctr"/>
-              <a:endParaRPr lang="en-US"/>
-            </a:p>
-          </p:txBody>
-        </p:sp>
-        <p:sp>
-          <p:nvSpPr>
-            <p:cNvPr id="7" name="Rectangle 6">
-              <a:extLst>
-                <a:ext uri="{FF2B5EF4-FFF2-40B4-BE49-F238E27FC236}">
-                  <a16:creationId xmlns:a16="http://schemas.microsoft.com/office/drawing/2014/main" id="{6BD1E85F-BC96-3847-B47B-67B11DC6849D}"/>
-                </a:ext>
-              </a:extLst>
-            </p:cNvPr>
-            <p:cNvSpPr/>
-            <p:nvPr/>
-          </p:nvSpPr>
-          <p:spPr>
-            <a:xfrm>
-              <a:off x="6097833" y="466533"/>
-              <a:ext cx="2425681" cy="3069771"/>
-            </a:xfrm>
-            <a:prstGeom prst="rect">
-              <a:avLst/>
-            </a:prstGeom>
-            <a:noFill/>
-          </p:spPr>
-          <p:style>
-            <a:lnRef idx="2">
-              <a:schemeClr val="accent1">
-                <a:shade val="50000"/>
-              </a:schemeClr>
-            </a:lnRef>
-            <a:fillRef idx="1">
-              <a:schemeClr val="accent1"/>
-            </a:fillRef>
-            <a:effectRef idx="0">
-              <a:schemeClr val="accent1"/>
-            </a:effectRef>
-            <a:fontRef idx="minor">
-              <a:schemeClr val="lt1"/>
-            </a:fontRef>
-          </p:style>
-          <p:txBody>
-            <a:bodyPr rtlCol="0" anchor="ctr"/>
-            <a:lstStyle/>
-            <a:p>
-              <a:pPr algn="ctr"/>
-              <a:endParaRPr lang="en-US"/>
-            </a:p>
-          </p:txBody>
-        </p:sp>
-        <p:cxnSp>
-          <p:nvCxnSpPr>
-            <p:cNvPr id="22" name="Straight Connector 21">
-              <a:extLst>
-                <a:ext uri="{FF2B5EF4-FFF2-40B4-BE49-F238E27FC236}">
-                  <a16:creationId xmlns:a16="http://schemas.microsoft.com/office/drawing/2014/main" id="{A5BA2237-7200-C247-A4FF-44FC70BEFCA5}"/>
-                </a:ext>
-              </a:extLst>
-            </p:cNvPr>
-            <p:cNvCxnSpPr>
-              <a:cxnSpLocks/>
-            </p:cNvCxnSpPr>
-            <p:nvPr/>
-          </p:nvCxnSpPr>
-          <p:spPr>
-            <a:xfrm>
-              <a:off x="1391574" y="1531945"/>
-              <a:ext cx="0" cy="772072"/>
-            </a:xfrm>
-            <a:prstGeom prst="line">
-              <a:avLst/>
-            </a:prstGeom>
-          </p:spPr>
-          <p:style>
-            <a:lnRef idx="1">
-              <a:schemeClr val="accent1"/>
-            </a:lnRef>
-            <a:fillRef idx="0">
-              <a:schemeClr val="accent1"/>
-            </a:fillRef>
-            <a:effectRef idx="0">
-              <a:schemeClr val="accent1"/>
-            </a:effectRef>
-            <a:fontRef idx="minor">
-              <a:schemeClr val="tx1"/>
-            </a:fontRef>
-          </p:style>
-        </p:cxnSp>
-        <p:cxnSp>
-          <p:nvCxnSpPr>
-            <p:cNvPr id="26" name="Straight Connector 25">
-              <a:extLst>
-                <a:ext uri="{FF2B5EF4-FFF2-40B4-BE49-F238E27FC236}">
-                  <a16:creationId xmlns:a16="http://schemas.microsoft.com/office/drawing/2014/main" id="{0013E4F4-8AAB-3C44-99D6-DCB97187D79B}"/>
-                </a:ext>
-              </a:extLst>
-            </p:cNvPr>
-            <p:cNvCxnSpPr>
-              <a:cxnSpLocks/>
-            </p:cNvCxnSpPr>
-            <p:nvPr/>
-          </p:nvCxnSpPr>
-          <p:spPr>
-            <a:xfrm>
-              <a:off x="2465097" y="1531945"/>
-              <a:ext cx="0" cy="772072"/>
-            </a:xfrm>
-            <a:prstGeom prst="line">
-              <a:avLst/>
-            </a:prstGeom>
-          </p:spPr>
-          <p:style>
-            <a:lnRef idx="1">
-              <a:schemeClr val="accent1"/>
-            </a:lnRef>
-            <a:fillRef idx="0">
-              <a:schemeClr val="accent1"/>
-            </a:fillRef>
-            <a:effectRef idx="0">
-              <a:schemeClr val="accent1"/>
-            </a:effectRef>
-            <a:fontRef idx="minor">
-              <a:schemeClr val="tx1"/>
-            </a:fontRef>
-          </p:style>
-        </p:cxnSp>
-        <p:sp>
-          <p:nvSpPr>
-            <p:cNvPr id="27" name="TextBox 26">
-              <a:extLst>
-                <a:ext uri="{FF2B5EF4-FFF2-40B4-BE49-F238E27FC236}">
-                  <a16:creationId xmlns:a16="http://schemas.microsoft.com/office/drawing/2014/main" id="{1379EE74-228A-8D44-9C4B-F63EA99A2F9D}"/>
-                </a:ext>
-              </a:extLst>
-            </p:cNvPr>
-            <p:cNvSpPr txBox="1"/>
-            <p:nvPr/>
-          </p:nvSpPr>
-          <p:spPr>
-            <a:xfrm>
-              <a:off x="2657212" y="1474972"/>
-              <a:ext cx="957313" cy="923330"/>
-            </a:xfrm>
-            <a:prstGeom prst="rect">
-              <a:avLst/>
-            </a:prstGeom>
-            <a:noFill/>
-          </p:spPr>
-          <p:txBody>
-            <a:bodyPr wrap="none" rtlCol="0">
-              <a:spAutoFit/>
-            </a:bodyPr>
-            <a:lstStyle/>
-            <a:p>
-              <a:r>
-                <a:rPr lang="en-US" dirty="0"/>
-                <a:t>Runs:</a:t>
-              </a:r>
-            </a:p>
-            <a:p>
-              <a:r>
-                <a:rPr lang="en-US" dirty="0"/>
-                <a:t>100-101</a:t>
-              </a:r>
-            </a:p>
-            <a:p>
-              <a:r>
-                <a:rPr lang="en-US" dirty="0"/>
-                <a:t>200-298</a:t>
-              </a:r>
-            </a:p>
-          </p:txBody>
-        </p:sp>
-        <p:sp>
-          <p:nvSpPr>
-            <p:cNvPr id="28" name="TextBox 27">
-              <a:extLst>
-                <a:ext uri="{FF2B5EF4-FFF2-40B4-BE49-F238E27FC236}">
-                  <a16:creationId xmlns:a16="http://schemas.microsoft.com/office/drawing/2014/main" id="{C56C071C-9B2D-5144-8CE4-02FACFDC5995}"/>
-                </a:ext>
-              </a:extLst>
-            </p:cNvPr>
-            <p:cNvSpPr txBox="1"/>
-            <p:nvPr/>
-          </p:nvSpPr>
-          <p:spPr>
-            <a:xfrm>
-              <a:off x="1558444" y="1474972"/>
-              <a:ext cx="739784" cy="926084"/>
-            </a:xfrm>
-            <a:prstGeom prst="rect">
-              <a:avLst/>
-            </a:prstGeom>
-            <a:noFill/>
-          </p:spPr>
-          <p:txBody>
-            <a:bodyPr wrap="none" rtlCol="0">
-              <a:spAutoFit/>
-            </a:bodyPr>
-            <a:lstStyle/>
-            <a:p>
-              <a:r>
-                <a:rPr lang="en-US" dirty="0"/>
-                <a:t>file</a:t>
-              </a:r>
-            </a:p>
-            <a:p>
-              <a:r>
-                <a:rPr lang="en-US" dirty="0"/>
-                <a:t>size</a:t>
-              </a:r>
-            </a:p>
-          </p:txBody>
-        </p:sp>
-        <p:sp>
-          <p:nvSpPr>
-            <p:cNvPr id="29" name="TextBox 28">
-              <a:extLst>
-                <a:ext uri="{FF2B5EF4-FFF2-40B4-BE49-F238E27FC236}">
-                  <a16:creationId xmlns:a16="http://schemas.microsoft.com/office/drawing/2014/main" id="{E01103F9-9173-0F48-BCBF-5BB2F1F2A744}"/>
-                </a:ext>
-              </a:extLst>
-            </p:cNvPr>
-            <p:cNvSpPr txBox="1"/>
-            <p:nvPr/>
-          </p:nvSpPr>
-          <p:spPr>
-            <a:xfrm>
-              <a:off x="279154" y="1632086"/>
-              <a:ext cx="800732" cy="369332"/>
-            </a:xfrm>
-            <a:prstGeom prst="rect">
-              <a:avLst/>
-            </a:prstGeom>
-            <a:noFill/>
-          </p:spPr>
-          <p:txBody>
-            <a:bodyPr wrap="none" rtlCol="0">
-              <a:spAutoFit/>
-            </a:bodyPr>
-            <a:lstStyle/>
-            <a:p>
-              <a:r>
-                <a:rPr lang="en-US" dirty="0" err="1"/>
-                <a:t>foo.txt</a:t>
-              </a:r>
-              <a:endParaRPr lang="en-US" dirty="0"/>
-            </a:p>
-          </p:txBody>
-        </p:sp>
-        <p:sp>
-          <p:nvSpPr>
-            <p:cNvPr id="30" name="TextBox 29">
-              <a:extLst>
-                <a:ext uri="{FF2B5EF4-FFF2-40B4-BE49-F238E27FC236}">
-                  <a16:creationId xmlns:a16="http://schemas.microsoft.com/office/drawing/2014/main" id="{45A879DD-98EB-CF46-AEE9-0DFD6E8B6FD4}"/>
-                </a:ext>
-              </a:extLst>
-            </p:cNvPr>
-            <p:cNvSpPr txBox="1"/>
-            <p:nvPr/>
-          </p:nvSpPr>
-          <p:spPr>
-            <a:xfrm>
-              <a:off x="6860581" y="3678572"/>
-              <a:ext cx="900183" cy="369332"/>
-            </a:xfrm>
-            <a:prstGeom prst="rect">
-              <a:avLst/>
-            </a:prstGeom>
-            <a:noFill/>
-          </p:spPr>
-          <p:txBody>
-            <a:bodyPr wrap="none" rtlCol="0">
-              <a:spAutoFit/>
-            </a:bodyPr>
-            <a:lstStyle/>
-            <a:p>
-              <a:r>
-                <a:rPr lang="en-US" dirty="0"/>
-                <a:t>clusters</a:t>
-              </a:r>
-            </a:p>
-          </p:txBody>
-        </p:sp>
-        <p:sp>
-          <p:nvSpPr>
-            <p:cNvPr id="40" name="TextBox 39">
-              <a:extLst>
-                <a:ext uri="{FF2B5EF4-FFF2-40B4-BE49-F238E27FC236}">
-                  <a16:creationId xmlns:a16="http://schemas.microsoft.com/office/drawing/2014/main" id="{2B223EC8-EA1E-C043-8FF6-DCB41B4AA305}"/>
-                </a:ext>
-              </a:extLst>
-            </p:cNvPr>
-            <p:cNvSpPr txBox="1"/>
-            <p:nvPr/>
-          </p:nvSpPr>
-          <p:spPr>
-            <a:xfrm>
-              <a:off x="1238899" y="2458029"/>
-              <a:ext cx="1678088" cy="369332"/>
-            </a:xfrm>
-            <a:prstGeom prst="rect">
-              <a:avLst/>
-            </a:prstGeom>
-            <a:noFill/>
-          </p:spPr>
-          <p:txBody>
-            <a:bodyPr wrap="none" rtlCol="0">
-              <a:spAutoFit/>
-            </a:bodyPr>
-            <a:lstStyle/>
-            <a:p>
-              <a:r>
-                <a:rPr lang="en-US" dirty="0"/>
-                <a:t>MFT table entry</a:t>
-              </a:r>
-            </a:p>
-          </p:txBody>
-        </p:sp>
-        <p:cxnSp>
-          <p:nvCxnSpPr>
-            <p:cNvPr id="5" name="Straight Connector 4">
-              <a:extLst>
-                <a:ext uri="{FF2B5EF4-FFF2-40B4-BE49-F238E27FC236}">
-                  <a16:creationId xmlns:a16="http://schemas.microsoft.com/office/drawing/2014/main" id="{F9E1AD27-8266-A048-85B4-8588095B2927}"/>
-                </a:ext>
-              </a:extLst>
-            </p:cNvPr>
-            <p:cNvCxnSpPr/>
-            <p:nvPr/>
-          </p:nvCxnSpPr>
-          <p:spPr>
-            <a:xfrm>
-              <a:off x="6097833" y="772132"/>
-              <a:ext cx="2425681" cy="0"/>
-            </a:xfrm>
-            <a:prstGeom prst="line">
-              <a:avLst/>
-            </a:prstGeom>
-          </p:spPr>
-          <p:style>
-            <a:lnRef idx="1">
-              <a:schemeClr val="accent1"/>
-            </a:lnRef>
-            <a:fillRef idx="0">
-              <a:schemeClr val="accent1"/>
-            </a:fillRef>
-            <a:effectRef idx="0">
-              <a:schemeClr val="accent1"/>
-            </a:effectRef>
-            <a:fontRef idx="minor">
-              <a:schemeClr val="tx1"/>
-            </a:fontRef>
-          </p:style>
-        </p:cxnSp>
-        <p:cxnSp>
-          <p:nvCxnSpPr>
-            <p:cNvPr id="41" name="Straight Connector 40">
-              <a:extLst>
-                <a:ext uri="{FF2B5EF4-FFF2-40B4-BE49-F238E27FC236}">
-                  <a16:creationId xmlns:a16="http://schemas.microsoft.com/office/drawing/2014/main" id="{90A85065-C350-E54A-9205-C53243F86AA6}"/>
-                </a:ext>
-              </a:extLst>
-            </p:cNvPr>
-            <p:cNvCxnSpPr/>
-            <p:nvPr/>
-          </p:nvCxnSpPr>
-          <p:spPr>
-            <a:xfrm>
-              <a:off x="6097833" y="1537388"/>
-              <a:ext cx="2425681" cy="0"/>
-            </a:xfrm>
-            <a:prstGeom prst="line">
-              <a:avLst/>
-            </a:prstGeom>
-          </p:spPr>
-          <p:style>
-            <a:lnRef idx="1">
-              <a:schemeClr val="accent1"/>
-            </a:lnRef>
-            <a:fillRef idx="0">
-              <a:schemeClr val="accent1"/>
-            </a:fillRef>
-            <a:effectRef idx="0">
-              <a:schemeClr val="accent1"/>
-            </a:effectRef>
-            <a:fontRef idx="minor">
-              <a:schemeClr val="tx1"/>
-            </a:fontRef>
-          </p:style>
-        </p:cxnSp>
-        <p:cxnSp>
-          <p:nvCxnSpPr>
-            <p:cNvPr id="45" name="Straight Connector 44">
-              <a:extLst>
-                <a:ext uri="{FF2B5EF4-FFF2-40B4-BE49-F238E27FC236}">
-                  <a16:creationId xmlns:a16="http://schemas.microsoft.com/office/drawing/2014/main" id="{6EE2A432-46BE-AE45-88AC-E1A1DA76A521}"/>
-                </a:ext>
-              </a:extLst>
-            </p:cNvPr>
-            <p:cNvCxnSpPr/>
-            <p:nvPr/>
-          </p:nvCxnSpPr>
-          <p:spPr>
-            <a:xfrm>
-              <a:off x="6097833" y="2447143"/>
-              <a:ext cx="2425681" cy="0"/>
-            </a:xfrm>
-            <a:prstGeom prst="line">
-              <a:avLst/>
-            </a:prstGeom>
-          </p:spPr>
-          <p:style>
-            <a:lnRef idx="1">
-              <a:schemeClr val="accent1"/>
-            </a:lnRef>
-            <a:fillRef idx="0">
-              <a:schemeClr val="accent1"/>
-            </a:fillRef>
-            <a:effectRef idx="0">
-              <a:schemeClr val="accent1"/>
-            </a:effectRef>
-            <a:fontRef idx="minor">
-              <a:schemeClr val="tx1"/>
-            </a:fontRef>
-          </p:style>
-        </p:cxnSp>
-        <p:sp>
-          <p:nvSpPr>
-            <p:cNvPr id="46" name="TextBox 45">
-              <a:extLst>
-                <a:ext uri="{FF2B5EF4-FFF2-40B4-BE49-F238E27FC236}">
-                  <a16:creationId xmlns:a16="http://schemas.microsoft.com/office/drawing/2014/main" id="{7469BD5B-7027-5548-BBC6-F7BF6FD5B16F}"/>
-                </a:ext>
-              </a:extLst>
-            </p:cNvPr>
-            <p:cNvSpPr txBox="1"/>
-            <p:nvPr/>
-          </p:nvSpPr>
-          <p:spPr>
-            <a:xfrm rot="5400000">
-              <a:off x="6940437" y="1052571"/>
-              <a:ext cx="595339" cy="516566"/>
-            </a:xfrm>
-            <a:prstGeom prst="rect">
-              <a:avLst/>
-            </a:prstGeom>
-            <a:noFill/>
-          </p:spPr>
-          <p:txBody>
-            <a:bodyPr wrap="none" rtlCol="0">
-              <a:spAutoFit/>
-            </a:bodyPr>
-            <a:lstStyle/>
-            <a:p>
-              <a:r>
-                <a:rPr lang="en-US" dirty="0"/>
-                <a:t>....</a:t>
-              </a:r>
-            </a:p>
-          </p:txBody>
-        </p:sp>
-        <p:sp>
-          <p:nvSpPr>
-            <p:cNvPr id="47" name="TextBox 46">
-              <a:extLst>
-                <a:ext uri="{FF2B5EF4-FFF2-40B4-BE49-F238E27FC236}">
-                  <a16:creationId xmlns:a16="http://schemas.microsoft.com/office/drawing/2014/main" id="{85C46A86-010F-B344-AEA4-0D314363262F}"/>
-                </a:ext>
-              </a:extLst>
-            </p:cNvPr>
-            <p:cNvSpPr txBox="1"/>
-            <p:nvPr/>
-          </p:nvSpPr>
-          <p:spPr>
-            <a:xfrm rot="5400000">
-              <a:off x="6940436" y="2653103"/>
-              <a:ext cx="595339" cy="516566"/>
-            </a:xfrm>
-            <a:prstGeom prst="rect">
-              <a:avLst/>
-            </a:prstGeom>
-            <a:noFill/>
-          </p:spPr>
-          <p:txBody>
-            <a:bodyPr wrap="none" rtlCol="0">
-              <a:spAutoFit/>
-            </a:bodyPr>
-            <a:lstStyle/>
-            <a:p>
-              <a:r>
-                <a:rPr lang="en-US" dirty="0"/>
-                <a:t>....</a:t>
-              </a:r>
-            </a:p>
-          </p:txBody>
-        </p:sp>
-        <p:sp>
-          <p:nvSpPr>
-            <p:cNvPr id="6" name="Rectangle 5">
-              <a:extLst>
-                <a:ext uri="{FF2B5EF4-FFF2-40B4-BE49-F238E27FC236}">
-                  <a16:creationId xmlns:a16="http://schemas.microsoft.com/office/drawing/2014/main" id="{FB08322C-9888-DC4C-863D-2C78B8CE37C5}"/>
-                </a:ext>
-              </a:extLst>
-            </p:cNvPr>
-            <p:cNvSpPr/>
-            <p:nvPr/>
-          </p:nvSpPr>
-          <p:spPr>
-            <a:xfrm>
-              <a:off x="6097833" y="1553551"/>
-              <a:ext cx="2425681" cy="893592"/>
-            </a:xfrm>
-            <a:prstGeom prst="rect">
-              <a:avLst/>
-            </a:prstGeom>
-          </p:spPr>
-          <p:style>
-            <a:lnRef idx="2">
-              <a:schemeClr val="accent1">
-                <a:shade val="50000"/>
-              </a:schemeClr>
-            </a:lnRef>
-            <a:fillRef idx="1">
-              <a:schemeClr val="accent1"/>
-            </a:fillRef>
-            <a:effectRef idx="0">
-              <a:schemeClr val="accent1"/>
-            </a:effectRef>
-            <a:fontRef idx="minor">
-              <a:schemeClr val="lt1"/>
-            </a:fontRef>
-          </p:style>
-          <p:txBody>
-            <a:bodyPr rtlCol="0" anchor="ctr"/>
-            <a:lstStyle/>
-            <a:p>
-              <a:pPr algn="ctr"/>
-              <a:endParaRPr lang="en-US"/>
-            </a:p>
-          </p:txBody>
-        </p:sp>
-        <p:sp>
-          <p:nvSpPr>
-            <p:cNvPr id="48" name="Rectangle 47">
-              <a:extLst>
-                <a:ext uri="{FF2B5EF4-FFF2-40B4-BE49-F238E27FC236}">
-                  <a16:creationId xmlns:a16="http://schemas.microsoft.com/office/drawing/2014/main" id="{D6D19AF6-4F04-374C-98A4-9B9A2AC7424A}"/>
-                </a:ext>
-              </a:extLst>
-            </p:cNvPr>
-            <p:cNvSpPr/>
-            <p:nvPr/>
-          </p:nvSpPr>
-          <p:spPr>
-            <a:xfrm>
-              <a:off x="6097833" y="466533"/>
-              <a:ext cx="2425681" cy="305599"/>
-            </a:xfrm>
-            <a:prstGeom prst="rect">
-              <a:avLst/>
-            </a:prstGeom>
-          </p:spPr>
-          <p:style>
-            <a:lnRef idx="2">
-              <a:schemeClr val="accent1">
-                <a:shade val="50000"/>
-              </a:schemeClr>
-            </a:lnRef>
-            <a:fillRef idx="1">
-              <a:schemeClr val="accent1"/>
-            </a:fillRef>
-            <a:effectRef idx="0">
-              <a:schemeClr val="accent1"/>
-            </a:effectRef>
-            <a:fontRef idx="minor">
-              <a:schemeClr val="lt1"/>
-            </a:fontRef>
-          </p:style>
-          <p:txBody>
-            <a:bodyPr rtlCol="0" anchor="ctr"/>
-            <a:lstStyle/>
-            <a:p>
-              <a:pPr algn="ctr"/>
-              <a:endParaRPr lang="en-US"/>
-            </a:p>
-          </p:txBody>
-        </p:sp>
-      </p:grpSp>
+          <a:prstGeom prst="rect">
+            <a:avLst/>
+          </a:prstGeom>
+          <a:noFill/>
+        </p:spPr>
+        <p:style>
+          <a:lnRef idx="2">
+            <a:schemeClr val="accent1">
+              <a:shade val="50000"/>
+            </a:schemeClr>
+          </a:lnRef>
+          <a:fillRef idx="1">
+            <a:schemeClr val="accent1"/>
+          </a:fillRef>
+          <a:effectRef idx="0">
+            <a:schemeClr val="accent1"/>
+          </a:effectRef>
+          <a:fontRef idx="minor">
+            <a:schemeClr val="lt1"/>
+          </a:fontRef>
+        </p:style>
+        <p:txBody>
+          <a:bodyPr rtlCol="0" anchor="ctr"/>
+          <a:lstStyle/>
+          <a:p>
+            <a:pPr algn="ctr"/>
+            <a:endParaRPr lang="en-US"/>
+          </a:p>
+        </p:txBody>
+      </p:sp>
+      <p:sp>
+        <p:nvSpPr>
+          <p:cNvPr id="7" name="Rectangle 6">
+            <a:extLst>
+              <a:ext uri="{FF2B5EF4-FFF2-40B4-BE49-F238E27FC236}">
+                <a16:creationId xmlns:a16="http://schemas.microsoft.com/office/drawing/2014/main" id="{6BD1E85F-BC96-3847-B47B-67B11DC6849D}"/>
+              </a:ext>
+            </a:extLst>
+          </p:cNvPr>
+          <p:cNvSpPr/>
+          <p:nvPr/>
+        </p:nvSpPr>
+        <p:spPr>
+          <a:xfrm>
+            <a:off x="6401762" y="319577"/>
+            <a:ext cx="3300763" cy="4245775"/>
+          </a:xfrm>
+          <a:prstGeom prst="rect">
+            <a:avLst/>
+          </a:prstGeom>
+          <a:noFill/>
+        </p:spPr>
+        <p:style>
+          <a:lnRef idx="2">
+            <a:schemeClr val="accent1">
+              <a:shade val="50000"/>
+            </a:schemeClr>
+          </a:lnRef>
+          <a:fillRef idx="1">
+            <a:schemeClr val="accent1"/>
+          </a:fillRef>
+          <a:effectRef idx="0">
+            <a:schemeClr val="accent1"/>
+          </a:effectRef>
+          <a:fontRef idx="minor">
+            <a:schemeClr val="lt1"/>
+          </a:fontRef>
+        </p:style>
+        <p:txBody>
+          <a:bodyPr rtlCol="0" anchor="ctr"/>
+          <a:lstStyle/>
+          <a:p>
+            <a:pPr algn="ctr"/>
+            <a:endParaRPr lang="en-US"/>
+          </a:p>
+        </p:txBody>
+      </p:sp>
+      <p:cxnSp>
+        <p:nvCxnSpPr>
+          <p:cNvPr id="22" name="Straight Connector 21">
+            <a:extLst>
+              <a:ext uri="{FF2B5EF4-FFF2-40B4-BE49-F238E27FC236}">
+                <a16:creationId xmlns:a16="http://schemas.microsoft.com/office/drawing/2014/main" id="{A5BA2237-7200-C247-A4FF-44FC70BEFCA5}"/>
+              </a:ext>
+            </a:extLst>
+          </p:cNvPr>
+          <p:cNvCxnSpPr>
+            <a:cxnSpLocks/>
+          </p:cNvCxnSpPr>
+          <p:nvPr/>
+        </p:nvCxnSpPr>
+        <p:spPr>
+          <a:xfrm>
+            <a:off x="1816602" y="1940096"/>
+            <a:ext cx="0" cy="1067846"/>
+          </a:xfrm>
+          <a:prstGeom prst="line">
+            <a:avLst/>
+          </a:prstGeom>
+        </p:spPr>
+        <p:style>
+          <a:lnRef idx="1">
+            <a:schemeClr val="accent1"/>
+          </a:lnRef>
+          <a:fillRef idx="0">
+            <a:schemeClr val="accent1"/>
+          </a:fillRef>
+          <a:effectRef idx="0">
+            <a:schemeClr val="accent1"/>
+          </a:effectRef>
+          <a:fontRef idx="minor">
+            <a:schemeClr val="tx1"/>
+          </a:fontRef>
+        </p:style>
+      </p:cxnSp>
+      <p:cxnSp>
+        <p:nvCxnSpPr>
+          <p:cNvPr id="26" name="Straight Connector 25">
+            <a:extLst>
+              <a:ext uri="{FF2B5EF4-FFF2-40B4-BE49-F238E27FC236}">
+                <a16:creationId xmlns:a16="http://schemas.microsoft.com/office/drawing/2014/main" id="{0013E4F4-8AAB-3C44-99D6-DCB97187D79B}"/>
+              </a:ext>
+            </a:extLst>
+          </p:cNvPr>
+          <p:cNvCxnSpPr>
+            <a:cxnSpLocks/>
+          </p:cNvCxnSpPr>
+          <p:nvPr/>
+        </p:nvCxnSpPr>
+        <p:spPr>
+          <a:xfrm>
+            <a:off x="3277406" y="1940096"/>
+            <a:ext cx="0" cy="1067846"/>
+          </a:xfrm>
+          <a:prstGeom prst="line">
+            <a:avLst/>
+          </a:prstGeom>
+        </p:spPr>
+        <p:style>
+          <a:lnRef idx="1">
+            <a:schemeClr val="accent1"/>
+          </a:lnRef>
+          <a:fillRef idx="0">
+            <a:schemeClr val="accent1"/>
+          </a:fillRef>
+          <a:effectRef idx="0">
+            <a:schemeClr val="accent1"/>
+          </a:effectRef>
+          <a:fontRef idx="minor">
+            <a:schemeClr val="tx1"/>
+          </a:fontRef>
+        </p:style>
+      </p:cxnSp>
+      <p:sp>
+        <p:nvSpPr>
+          <p:cNvPr id="27" name="TextBox 26">
+            <a:extLst>
+              <a:ext uri="{FF2B5EF4-FFF2-40B4-BE49-F238E27FC236}">
+                <a16:creationId xmlns:a16="http://schemas.microsoft.com/office/drawing/2014/main" id="{1379EE74-228A-8D44-9C4B-F63EA99A2F9D}"/>
+              </a:ext>
+            </a:extLst>
+          </p:cNvPr>
+          <p:cNvSpPr txBox="1"/>
+          <p:nvPr/>
+        </p:nvSpPr>
+        <p:spPr>
+          <a:xfrm>
+            <a:off x="3538827" y="1861297"/>
+            <a:ext cx="1302671" cy="1277050"/>
+          </a:xfrm>
+          <a:prstGeom prst="rect">
+            <a:avLst/>
+          </a:prstGeom>
+          <a:noFill/>
+        </p:spPr>
+        <p:txBody>
+          <a:bodyPr wrap="none" rtlCol="0">
+            <a:spAutoFit/>
+          </a:bodyPr>
+          <a:lstStyle/>
+          <a:p>
+            <a:r>
+              <a:rPr lang="en-US" dirty="0"/>
+              <a:t>Runs:</a:t>
+            </a:r>
+          </a:p>
+          <a:p>
+            <a:r>
+              <a:rPr lang="en-US" dirty="0"/>
+              <a:t>100-101</a:t>
+            </a:r>
+          </a:p>
+          <a:p>
+            <a:r>
+              <a:rPr lang="en-US" dirty="0"/>
+              <a:t>200-298</a:t>
+            </a:r>
+          </a:p>
+        </p:txBody>
+      </p:sp>
+      <p:sp>
+        <p:nvSpPr>
+          <p:cNvPr id="28" name="TextBox 27">
+            <a:extLst>
+              <a:ext uri="{FF2B5EF4-FFF2-40B4-BE49-F238E27FC236}">
+                <a16:creationId xmlns:a16="http://schemas.microsoft.com/office/drawing/2014/main" id="{C56C071C-9B2D-5144-8CE4-02FACFDC5995}"/>
+              </a:ext>
+            </a:extLst>
+          </p:cNvPr>
+          <p:cNvSpPr txBox="1"/>
+          <p:nvPr/>
+        </p:nvSpPr>
+        <p:spPr>
+          <a:xfrm>
+            <a:off x="2078023" y="2008470"/>
+            <a:ext cx="1006666" cy="1280859"/>
+          </a:xfrm>
+          <a:prstGeom prst="rect">
+            <a:avLst/>
+          </a:prstGeom>
+          <a:noFill/>
+        </p:spPr>
+        <p:txBody>
+          <a:bodyPr wrap="none" rtlCol="0">
+            <a:spAutoFit/>
+          </a:bodyPr>
+          <a:lstStyle/>
+          <a:p>
+            <a:r>
+              <a:rPr lang="en-US" dirty="0"/>
+              <a:t>file</a:t>
+            </a:r>
+          </a:p>
+          <a:p>
+            <a:r>
+              <a:rPr lang="en-US" dirty="0"/>
+              <a:t>size</a:t>
+            </a:r>
+          </a:p>
+        </p:txBody>
+      </p:sp>
+      <p:sp>
+        <p:nvSpPr>
+          <p:cNvPr id="29" name="TextBox 28">
+            <a:extLst>
+              <a:ext uri="{FF2B5EF4-FFF2-40B4-BE49-F238E27FC236}">
+                <a16:creationId xmlns:a16="http://schemas.microsoft.com/office/drawing/2014/main" id="{E01103F9-9173-0F48-BCBF-5BB2F1F2A744}"/>
+              </a:ext>
+            </a:extLst>
+          </p:cNvPr>
+          <p:cNvSpPr txBox="1"/>
+          <p:nvPr/>
+        </p:nvSpPr>
+        <p:spPr>
+          <a:xfrm>
+            <a:off x="302868" y="2078600"/>
+            <a:ext cx="1001108" cy="369332"/>
+          </a:xfrm>
+          <a:prstGeom prst="rect">
+            <a:avLst/>
+          </a:prstGeom>
+          <a:noFill/>
+        </p:spPr>
+        <p:txBody>
+          <a:bodyPr wrap="none" rtlCol="0">
+            <a:spAutoFit/>
+          </a:bodyPr>
+          <a:lstStyle/>
+          <a:p>
+            <a:r>
+              <a:rPr lang="en-US" dirty="0"/>
+              <a:t>“</a:t>
+            </a:r>
+            <a:r>
+              <a:rPr lang="en-US" dirty="0" err="1"/>
+              <a:t>foo.txt</a:t>
+            </a:r>
+            <a:r>
+              <a:rPr lang="en-US" dirty="0"/>
+              <a:t>”</a:t>
+            </a:r>
+          </a:p>
+        </p:txBody>
+      </p:sp>
+      <p:sp>
+        <p:nvSpPr>
+          <p:cNvPr id="30" name="TextBox 29">
+            <a:extLst>
+              <a:ext uri="{FF2B5EF4-FFF2-40B4-BE49-F238E27FC236}">
+                <a16:creationId xmlns:a16="http://schemas.microsoft.com/office/drawing/2014/main" id="{45A879DD-98EB-CF46-AEE9-0DFD6E8B6FD4}"/>
+              </a:ext>
+            </a:extLst>
+          </p:cNvPr>
+          <p:cNvSpPr txBox="1"/>
+          <p:nvPr/>
+        </p:nvSpPr>
+        <p:spPr>
+          <a:xfrm>
+            <a:off x="7439677" y="4762122"/>
+            <a:ext cx="1224930" cy="510820"/>
+          </a:xfrm>
+          <a:prstGeom prst="rect">
+            <a:avLst/>
+          </a:prstGeom>
+          <a:noFill/>
+        </p:spPr>
+        <p:txBody>
+          <a:bodyPr wrap="none" rtlCol="0">
+            <a:spAutoFit/>
+          </a:bodyPr>
+          <a:lstStyle/>
+          <a:p>
+            <a:r>
+              <a:rPr lang="en-US" dirty="0"/>
+              <a:t>clusters</a:t>
+            </a:r>
+          </a:p>
+        </p:txBody>
+      </p:sp>
+      <p:sp>
+        <p:nvSpPr>
+          <p:cNvPr id="40" name="TextBox 39">
+            <a:extLst>
+              <a:ext uri="{FF2B5EF4-FFF2-40B4-BE49-F238E27FC236}">
+                <a16:creationId xmlns:a16="http://schemas.microsoft.com/office/drawing/2014/main" id="{2B223EC8-EA1E-C043-8FF6-DCB41B4AA305}"/>
+              </a:ext>
+            </a:extLst>
+          </p:cNvPr>
+          <p:cNvSpPr txBox="1"/>
+          <p:nvPr/>
+        </p:nvSpPr>
+        <p:spPr>
+          <a:xfrm>
+            <a:off x="1216193" y="3217563"/>
+            <a:ext cx="2936958" cy="369332"/>
+          </a:xfrm>
+          <a:prstGeom prst="rect">
+            <a:avLst/>
+          </a:prstGeom>
+          <a:noFill/>
+        </p:spPr>
+        <p:txBody>
+          <a:bodyPr wrap="none" rtlCol="0">
+            <a:spAutoFit/>
+          </a:bodyPr>
+          <a:lstStyle/>
+          <a:p>
+            <a:r>
+              <a:rPr lang="en-US" dirty="0"/>
+              <a:t>MFT table entry of file </a:t>
+            </a:r>
+            <a:r>
+              <a:rPr lang="en-US" i="1" dirty="0" err="1">
+                <a:solidFill>
+                  <a:srgbClr val="0070C0"/>
+                </a:solidFill>
+              </a:rPr>
+              <a:t>foo.txt</a:t>
+            </a:r>
+            <a:endParaRPr lang="en-US" i="1" dirty="0">
+              <a:solidFill>
+                <a:srgbClr val="0070C0"/>
+              </a:solidFill>
+            </a:endParaRPr>
+          </a:p>
+        </p:txBody>
+      </p:sp>
+      <p:cxnSp>
+        <p:nvCxnSpPr>
+          <p:cNvPr id="5" name="Straight Connector 4">
+            <a:extLst>
+              <a:ext uri="{FF2B5EF4-FFF2-40B4-BE49-F238E27FC236}">
+                <a16:creationId xmlns:a16="http://schemas.microsoft.com/office/drawing/2014/main" id="{F9E1AD27-8266-A048-85B4-8588095B2927}"/>
+              </a:ext>
+            </a:extLst>
+          </p:cNvPr>
+          <p:cNvCxnSpPr/>
+          <p:nvPr/>
+        </p:nvCxnSpPr>
+        <p:spPr>
+          <a:xfrm>
+            <a:off x="6401762" y="742248"/>
+            <a:ext cx="3300763" cy="0"/>
+          </a:xfrm>
+          <a:prstGeom prst="line">
+            <a:avLst/>
+          </a:prstGeom>
+        </p:spPr>
+        <p:style>
+          <a:lnRef idx="1">
+            <a:schemeClr val="accent1"/>
+          </a:lnRef>
+          <a:fillRef idx="0">
+            <a:schemeClr val="accent1"/>
+          </a:fillRef>
+          <a:effectRef idx="0">
+            <a:schemeClr val="accent1"/>
+          </a:effectRef>
+          <a:fontRef idx="minor">
+            <a:schemeClr val="tx1"/>
+          </a:fontRef>
+        </p:style>
+      </p:cxnSp>
+      <p:cxnSp>
+        <p:nvCxnSpPr>
+          <p:cNvPr id="41" name="Straight Connector 40">
+            <a:extLst>
+              <a:ext uri="{FF2B5EF4-FFF2-40B4-BE49-F238E27FC236}">
+                <a16:creationId xmlns:a16="http://schemas.microsoft.com/office/drawing/2014/main" id="{90A85065-C350-E54A-9205-C53243F86AA6}"/>
+              </a:ext>
+            </a:extLst>
+          </p:cNvPr>
+          <p:cNvCxnSpPr/>
+          <p:nvPr/>
+        </p:nvCxnSpPr>
+        <p:spPr>
+          <a:xfrm>
+            <a:off x="6401762" y="1800668"/>
+            <a:ext cx="3300763" cy="0"/>
+          </a:xfrm>
+          <a:prstGeom prst="line">
+            <a:avLst/>
+          </a:prstGeom>
+        </p:spPr>
+        <p:style>
+          <a:lnRef idx="1">
+            <a:schemeClr val="accent1"/>
+          </a:lnRef>
+          <a:fillRef idx="0">
+            <a:schemeClr val="accent1"/>
+          </a:fillRef>
+          <a:effectRef idx="0">
+            <a:schemeClr val="accent1"/>
+          </a:effectRef>
+          <a:fontRef idx="minor">
+            <a:schemeClr val="tx1"/>
+          </a:fontRef>
+        </p:style>
+      </p:cxnSp>
+      <p:cxnSp>
+        <p:nvCxnSpPr>
+          <p:cNvPr id="45" name="Straight Connector 44">
+            <a:extLst>
+              <a:ext uri="{FF2B5EF4-FFF2-40B4-BE49-F238E27FC236}">
+                <a16:creationId xmlns:a16="http://schemas.microsoft.com/office/drawing/2014/main" id="{6EE2A432-46BE-AE45-88AC-E1A1DA76A521}"/>
+              </a:ext>
+            </a:extLst>
+          </p:cNvPr>
+          <p:cNvCxnSpPr/>
+          <p:nvPr/>
+        </p:nvCxnSpPr>
+        <p:spPr>
+          <a:xfrm>
+            <a:off x="6401762" y="3058943"/>
+            <a:ext cx="3300763" cy="0"/>
+          </a:xfrm>
+          <a:prstGeom prst="line">
+            <a:avLst/>
+          </a:prstGeom>
+        </p:spPr>
+        <p:style>
+          <a:lnRef idx="1">
+            <a:schemeClr val="accent1"/>
+          </a:lnRef>
+          <a:fillRef idx="0">
+            <a:schemeClr val="accent1"/>
+          </a:fillRef>
+          <a:effectRef idx="0">
+            <a:schemeClr val="accent1"/>
+          </a:effectRef>
+          <a:fontRef idx="minor">
+            <a:schemeClr val="tx1"/>
+          </a:fontRef>
+        </p:style>
+      </p:cxnSp>
+      <p:sp>
+        <p:nvSpPr>
+          <p:cNvPr id="46" name="TextBox 45">
+            <a:extLst>
+              <a:ext uri="{FF2B5EF4-FFF2-40B4-BE49-F238E27FC236}">
+                <a16:creationId xmlns:a16="http://schemas.microsoft.com/office/drawing/2014/main" id="{7469BD5B-7027-5548-BBC6-F7BF6FD5B16F}"/>
+              </a:ext>
+            </a:extLst>
+          </p:cNvPr>
+          <p:cNvSpPr txBox="1"/>
+          <p:nvPr/>
+        </p:nvSpPr>
+        <p:spPr>
+          <a:xfrm rot="5400000">
+            <a:off x="7541693" y="1135890"/>
+            <a:ext cx="823409" cy="702921"/>
+          </a:xfrm>
+          <a:prstGeom prst="rect">
+            <a:avLst/>
+          </a:prstGeom>
+          <a:noFill/>
+        </p:spPr>
+        <p:txBody>
+          <a:bodyPr wrap="none" rtlCol="0">
+            <a:spAutoFit/>
+          </a:bodyPr>
+          <a:lstStyle/>
+          <a:p>
+            <a:r>
+              <a:rPr lang="en-US" dirty="0"/>
+              <a:t>....</a:t>
+            </a:r>
+          </a:p>
+        </p:txBody>
+      </p:sp>
+      <p:sp>
+        <p:nvSpPr>
+          <p:cNvPr id="47" name="TextBox 46">
+            <a:extLst>
+              <a:ext uri="{FF2B5EF4-FFF2-40B4-BE49-F238E27FC236}">
+                <a16:creationId xmlns:a16="http://schemas.microsoft.com/office/drawing/2014/main" id="{85C46A86-010F-B344-AEA4-0D314363262F}"/>
+              </a:ext>
+            </a:extLst>
+          </p:cNvPr>
+          <p:cNvSpPr txBox="1"/>
+          <p:nvPr/>
+        </p:nvSpPr>
+        <p:spPr>
+          <a:xfrm rot="5400000">
+            <a:off x="7541692" y="3349573"/>
+            <a:ext cx="823409" cy="702921"/>
+          </a:xfrm>
+          <a:prstGeom prst="rect">
+            <a:avLst/>
+          </a:prstGeom>
+          <a:noFill/>
+        </p:spPr>
+        <p:txBody>
+          <a:bodyPr wrap="none" rtlCol="0">
+            <a:spAutoFit/>
+          </a:bodyPr>
+          <a:lstStyle/>
+          <a:p>
+            <a:r>
+              <a:rPr lang="en-US" dirty="0"/>
+              <a:t>....</a:t>
+            </a:r>
+          </a:p>
+        </p:txBody>
+      </p:sp>
+      <p:sp>
+        <p:nvSpPr>
+          <p:cNvPr id="6" name="Rectangle 5">
+            <a:extLst>
+              <a:ext uri="{FF2B5EF4-FFF2-40B4-BE49-F238E27FC236}">
+                <a16:creationId xmlns:a16="http://schemas.microsoft.com/office/drawing/2014/main" id="{FB08322C-9888-DC4C-863D-2C78B8CE37C5}"/>
+              </a:ext>
+            </a:extLst>
+          </p:cNvPr>
+          <p:cNvSpPr/>
+          <p:nvPr/>
+        </p:nvSpPr>
+        <p:spPr>
+          <a:xfrm>
+            <a:off x="6401762" y="1800667"/>
+            <a:ext cx="3300763" cy="1258276"/>
+          </a:xfrm>
+          <a:prstGeom prst="rect">
+            <a:avLst/>
+          </a:prstGeom>
+        </p:spPr>
+        <p:style>
+          <a:lnRef idx="2">
+            <a:schemeClr val="accent1">
+              <a:shade val="50000"/>
+            </a:schemeClr>
+          </a:lnRef>
+          <a:fillRef idx="1">
+            <a:schemeClr val="accent1"/>
+          </a:fillRef>
+          <a:effectRef idx="0">
+            <a:schemeClr val="accent1"/>
+          </a:effectRef>
+          <a:fontRef idx="minor">
+            <a:schemeClr val="lt1"/>
+          </a:fontRef>
+        </p:style>
+        <p:txBody>
+          <a:bodyPr rtlCol="0" anchor="ctr"/>
+          <a:lstStyle/>
+          <a:p>
+            <a:pPr algn="ctr"/>
+            <a:endParaRPr lang="en-US"/>
+          </a:p>
+        </p:txBody>
+      </p:sp>
+      <p:sp>
+        <p:nvSpPr>
+          <p:cNvPr id="48" name="Rectangle 47">
+            <a:extLst>
+              <a:ext uri="{FF2B5EF4-FFF2-40B4-BE49-F238E27FC236}">
+                <a16:creationId xmlns:a16="http://schemas.microsoft.com/office/drawing/2014/main" id="{D6D19AF6-4F04-374C-98A4-9B9A2AC7424A}"/>
+              </a:ext>
+            </a:extLst>
+          </p:cNvPr>
+          <p:cNvSpPr/>
+          <p:nvPr/>
+        </p:nvSpPr>
+        <p:spPr>
+          <a:xfrm>
+            <a:off x="6401762" y="319577"/>
+            <a:ext cx="3300763" cy="422671"/>
+          </a:xfrm>
+          <a:prstGeom prst="rect">
+            <a:avLst/>
+          </a:prstGeom>
+        </p:spPr>
+        <p:style>
+          <a:lnRef idx="2">
+            <a:schemeClr val="accent1">
+              <a:shade val="50000"/>
+            </a:schemeClr>
+          </a:lnRef>
+          <a:fillRef idx="1">
+            <a:schemeClr val="accent1"/>
+          </a:fillRef>
+          <a:effectRef idx="0">
+            <a:schemeClr val="accent1"/>
+          </a:effectRef>
+          <a:fontRef idx="minor">
+            <a:schemeClr val="lt1"/>
+          </a:fontRef>
+        </p:style>
+        <p:txBody>
+          <a:bodyPr rtlCol="0" anchor="ctr"/>
+          <a:lstStyle/>
+          <a:p>
+            <a:pPr algn="ctr"/>
+            <a:endParaRPr lang="en-US"/>
+          </a:p>
+        </p:txBody>
+      </p:sp>
+      <p:sp>
+        <p:nvSpPr>
+          <p:cNvPr id="19" name="TextBox 18">
+            <a:extLst>
+              <a:ext uri="{FF2B5EF4-FFF2-40B4-BE49-F238E27FC236}">
+                <a16:creationId xmlns:a16="http://schemas.microsoft.com/office/drawing/2014/main" id="{56542F83-D9E9-6D4A-BE9E-3E916E299C02}"/>
+              </a:ext>
+            </a:extLst>
+          </p:cNvPr>
+          <p:cNvSpPr txBox="1"/>
+          <p:nvPr/>
+        </p:nvSpPr>
+        <p:spPr>
+          <a:xfrm>
+            <a:off x="9827868" y="346246"/>
+            <a:ext cx="1745734" cy="369332"/>
+          </a:xfrm>
+          <a:prstGeom prst="rect">
+            <a:avLst/>
+          </a:prstGeom>
+          <a:noFill/>
+        </p:spPr>
+        <p:txBody>
+          <a:bodyPr wrap="none" rtlCol="0">
+            <a:spAutoFit/>
+          </a:bodyPr>
+          <a:lstStyle/>
+          <a:p>
+            <a:r>
+              <a:rPr lang="en-US" dirty="0"/>
+              <a:t>cluster 100 - 101</a:t>
+            </a:r>
+          </a:p>
+        </p:txBody>
+      </p:sp>
+      <p:sp>
+        <p:nvSpPr>
+          <p:cNvPr id="20" name="TextBox 19">
+            <a:extLst>
+              <a:ext uri="{FF2B5EF4-FFF2-40B4-BE49-F238E27FC236}">
+                <a16:creationId xmlns:a16="http://schemas.microsoft.com/office/drawing/2014/main" id="{37F873B4-2B69-EE4F-A49F-89C96238A1ED}"/>
+              </a:ext>
+            </a:extLst>
+          </p:cNvPr>
+          <p:cNvSpPr txBox="1"/>
+          <p:nvPr/>
+        </p:nvSpPr>
+        <p:spPr>
+          <a:xfrm>
+            <a:off x="9827868" y="2155216"/>
+            <a:ext cx="1745734" cy="369332"/>
+          </a:xfrm>
+          <a:prstGeom prst="rect">
+            <a:avLst/>
+          </a:prstGeom>
+          <a:noFill/>
+        </p:spPr>
+        <p:txBody>
+          <a:bodyPr wrap="none" rtlCol="0">
+            <a:spAutoFit/>
+          </a:bodyPr>
+          <a:lstStyle/>
+          <a:p>
+            <a:r>
+              <a:rPr lang="en-US" dirty="0"/>
+              <a:t>cluster 200 - 298</a:t>
+            </a:r>
+          </a:p>
+        </p:txBody>
+      </p:sp>
+      <p:cxnSp>
+        <p:nvCxnSpPr>
+          <p:cNvPr id="21" name="Elbow Connector 20">
+            <a:extLst>
+              <a:ext uri="{FF2B5EF4-FFF2-40B4-BE49-F238E27FC236}">
+                <a16:creationId xmlns:a16="http://schemas.microsoft.com/office/drawing/2014/main" id="{B718ED37-6380-BF42-B1B2-A94F06810A8F}"/>
+              </a:ext>
+            </a:extLst>
+          </p:cNvPr>
+          <p:cNvCxnSpPr>
+            <a:cxnSpLocks/>
+            <a:endCxn id="48" idx="1"/>
+          </p:cNvCxnSpPr>
+          <p:nvPr/>
+        </p:nvCxnSpPr>
+        <p:spPr>
+          <a:xfrm flipV="1">
+            <a:off x="4441840" y="530913"/>
+            <a:ext cx="1959922" cy="1808970"/>
+          </a:xfrm>
+          <a:prstGeom prst="bentConnector3">
+            <a:avLst>
+              <a:gd name="adj1" fmla="val 50000"/>
+            </a:avLst>
+          </a:prstGeom>
+          <a:ln>
+            <a:tailEnd type="triangle"/>
+          </a:ln>
+        </p:spPr>
+        <p:style>
+          <a:lnRef idx="1">
+            <a:schemeClr val="accent1"/>
+          </a:lnRef>
+          <a:fillRef idx="0">
+            <a:schemeClr val="accent1"/>
+          </a:fillRef>
+          <a:effectRef idx="0">
+            <a:schemeClr val="accent1"/>
+          </a:effectRef>
+          <a:fontRef idx="minor">
+            <a:schemeClr val="tx1"/>
+          </a:fontRef>
+        </p:style>
+      </p:cxnSp>
+      <p:cxnSp>
+        <p:nvCxnSpPr>
+          <p:cNvPr id="31" name="Elbow Connector 30">
+            <a:extLst>
+              <a:ext uri="{FF2B5EF4-FFF2-40B4-BE49-F238E27FC236}">
+                <a16:creationId xmlns:a16="http://schemas.microsoft.com/office/drawing/2014/main" id="{45E73DB8-9D29-094C-8FC4-9B4E8349672E}"/>
+              </a:ext>
+            </a:extLst>
+          </p:cNvPr>
+          <p:cNvCxnSpPr>
+            <a:cxnSpLocks/>
+          </p:cNvCxnSpPr>
+          <p:nvPr/>
+        </p:nvCxnSpPr>
+        <p:spPr>
+          <a:xfrm flipV="1">
+            <a:off x="4459918" y="2078600"/>
+            <a:ext cx="1923766" cy="519554"/>
+          </a:xfrm>
+          <a:prstGeom prst="bentConnector3">
+            <a:avLst>
+              <a:gd name="adj1" fmla="val 61883"/>
+            </a:avLst>
+          </a:prstGeom>
+          <a:ln>
+            <a:tailEnd type="triangle"/>
+          </a:ln>
+        </p:spPr>
+        <p:style>
+          <a:lnRef idx="1">
+            <a:schemeClr val="accent1"/>
+          </a:lnRef>
+          <a:fillRef idx="0">
+            <a:schemeClr val="accent1"/>
+          </a:fillRef>
+          <a:effectRef idx="0">
+            <a:schemeClr val="accent1"/>
+          </a:effectRef>
+          <a:fontRef idx="minor">
+            <a:schemeClr val="tx1"/>
+          </a:fontRef>
+        </p:style>
+      </p:cxnSp>
     </p:spTree>
     <p:extLst>
       <p:ext uri="{BB962C8B-B14F-4D97-AF65-F5344CB8AC3E}">
